--- a/CV.pptx
+++ b/CV.pptx
@@ -4102,6 +4102,30 @@
           </a:p>
         </p:txBody>
       </p:sp>
+      <p:pic>
+        <p:nvPicPr>
+          <p:cNvPr id="5" name="Picture 4"/>
+          <p:cNvPicPr>
+            <a:picLocks noChangeAspect="1"/>
+          </p:cNvPicPr>
+          <p:nvPr/>
+        </p:nvPicPr>
+        <p:blipFill>
+          <a:blip r:embed="rId3"/>
+          <a:stretch>
+            <a:fillRect/>
+          </a:stretch>
+        </p:blipFill>
+        <p:spPr>
+          <a:xfrm>
+            <a:off x="10995102" y="5170377"/>
+            <a:ext cx="1063664" cy="1069292"/>
+          </a:xfrm>
+          <a:prstGeom prst="rect">
+            <a:avLst/>
+          </a:prstGeom>
+        </p:spPr>
+      </p:pic>
     </p:spTree>
     <p:extLst>
       <p:ext uri="{BB962C8B-B14F-4D97-AF65-F5344CB8AC3E}">
@@ -4354,6 +4378,30 @@
           </a:p>
         </p:txBody>
       </p:sp>
+      <p:pic>
+        <p:nvPicPr>
+          <p:cNvPr id="4" name="Picture 3"/>
+          <p:cNvPicPr>
+            <a:picLocks noChangeAspect="1"/>
+          </p:cNvPicPr>
+          <p:nvPr/>
+        </p:nvPicPr>
+        <p:blipFill>
+          <a:blip r:embed="rId3"/>
+          <a:stretch>
+            <a:fillRect/>
+          </a:stretch>
+        </p:blipFill>
+        <p:spPr>
+          <a:xfrm>
+            <a:off x="2633662" y="2343150"/>
+            <a:ext cx="6924675" cy="2171700"/>
+          </a:xfrm>
+          <a:prstGeom prst="rect">
+            <a:avLst/>
+          </a:prstGeom>
+        </p:spPr>
+      </p:pic>
     </p:spTree>
     <p:extLst>
       <p:ext uri="{BB962C8B-B14F-4D97-AF65-F5344CB8AC3E}">
@@ -4364,6 +4412,13 @@
   <p:clrMapOvr>
     <a:masterClrMapping/>
   </p:clrMapOvr>
+  <p:timing>
+    <p:tnLst>
+      <p:par>
+        <p:cTn id="1" dur="indefinite" restart="never" nodeType="tmRoot"/>
+      </p:par>
+    </p:tnLst>
+  </p:timing>
 </p:sld>
 </file>
 
@@ -4424,7 +4479,15 @@
           <a:p>
             <a:r>
               <a:rPr lang="zh-CN" altLang="en-US" dirty="0" smtClean="0"/>
-              <a:t>在图像中放置虚拟物体</a:t>
+              <a:t>在图像</a:t>
+            </a:r>
+            <a:r>
+              <a:rPr lang="en-US" altLang="zh-CN" dirty="0" smtClean="0"/>
+              <a:t>/</a:t>
+            </a:r>
+            <a:r>
+              <a:rPr lang="zh-CN" altLang="en-US" dirty="0" smtClean="0"/>
+              <a:t>视频中放置虚拟物体</a:t>
             </a:r>
             <a:endParaRPr lang="en-US" dirty="0"/>
           </a:p>
@@ -4440,6 +4503,13 @@
   <p:clrMapOvr>
     <a:masterClrMapping/>
   </p:clrMapOvr>
+  <p:timing>
+    <p:tnLst>
+      <p:par>
+        <p:cTn id="1" dur="indefinite" restart="never" nodeType="tmRoot"/>
+      </p:par>
+    </p:tnLst>
+  </p:timing>
 </p:sld>
 </file>
 
@@ -4477,7 +4547,7 @@
           <a:p>
             <a:r>
               <a:rPr lang="zh-CN" altLang="en-US" dirty="0" smtClean="0"/>
-              <a:t>点云与视差图</a:t>
+              <a:t>视差图</a:t>
             </a:r>
             <a:endParaRPr lang="en-US" dirty="0"/>
           </a:p>
@@ -4498,10 +4568,122 @@
           <a:bodyPr/>
           <a:lstStyle/>
           <a:p>
-            <a:endParaRPr lang="en-US"/>
-          </a:p>
-        </p:txBody>
-      </p:sp>
+            <a:endParaRPr lang="en-US" dirty="0"/>
+          </a:p>
+        </p:txBody>
+      </p:sp>
+      <p:pic>
+        <p:nvPicPr>
+          <p:cNvPr id="2050" name="Picture 2" descr="Calculating depth"/>
+          <p:cNvPicPr>
+            <a:picLocks noChangeAspect="1" noChangeArrowheads="1"/>
+          </p:cNvPicPr>
+          <p:nvPr/>
+        </p:nvPicPr>
+        <p:blipFill>
+          <a:blip r:embed="rId3">
+            <a:extLst>
+              <a:ext uri="{28A0092B-C50C-407E-A947-70E740481C1C}">
+                <a14:useLocalDpi xmlns:a14="http://schemas.microsoft.com/office/drawing/2010/main" val="0"/>
+              </a:ext>
+            </a:extLst>
+          </a:blip>
+          <a:srcRect/>
+          <a:stretch>
+            <a:fillRect/>
+          </a:stretch>
+        </p:blipFill>
+        <p:spPr bwMode="auto">
+          <a:xfrm>
+            <a:off x="5508160" y="2053257"/>
+            <a:ext cx="4286250" cy="3714751"/>
+          </a:xfrm>
+          <a:prstGeom prst="rect">
+            <a:avLst/>
+          </a:prstGeom>
+          <a:noFill/>
+          <a:extLst>
+            <a:ext uri="{909E8E84-426E-40DD-AFC4-6F175D3DCCD1}">
+              <a14:hiddenFill xmlns:a14="http://schemas.microsoft.com/office/drawing/2010/main">
+                <a:solidFill>
+                  <a:srgbClr val="FFFFFF"/>
+                </a:solidFill>
+              </a14:hiddenFill>
+            </a:ext>
+          </a:extLst>
+        </p:spPr>
+      </p:pic>
+      <p:cxnSp>
+        <p:nvCxnSpPr>
+          <p:cNvPr id="5" name="Straight Connector 4"/>
+          <p:cNvCxnSpPr/>
+          <p:nvPr/>
+        </p:nvCxnSpPr>
+        <p:spPr>
+          <a:xfrm flipV="1">
+            <a:off x="8597590" y="3713356"/>
+            <a:ext cx="635620" cy="1382751"/>
+          </a:xfrm>
+          <a:prstGeom prst="line">
+            <a:avLst/>
+          </a:prstGeom>
+        </p:spPr>
+        <p:style>
+          <a:lnRef idx="1">
+            <a:schemeClr val="accent1"/>
+          </a:lnRef>
+          <a:fillRef idx="0">
+            <a:schemeClr val="accent1"/>
+          </a:fillRef>
+          <a:effectRef idx="0">
+            <a:schemeClr val="accent1"/>
+          </a:effectRef>
+          <a:fontRef idx="minor">
+            <a:schemeClr val="tx1"/>
+          </a:fontRef>
+        </p:style>
+      </p:cxnSp>
+      <p:pic>
+        <p:nvPicPr>
+          <p:cNvPr id="2052" name="Picture 4" descr="disparity = x - x' = \frac{Bf}{Z}"/>
+          <p:cNvPicPr>
+            <a:picLocks noChangeAspect="1" noChangeArrowheads="1"/>
+          </p:cNvPicPr>
+          <p:nvPr/>
+        </p:nvPicPr>
+        <p:blipFill>
+          <a:blip r:embed="rId4">
+            <a:extLst>
+              <a:ext uri="{28A0092B-C50C-407E-A947-70E740481C1C}">
+                <a14:useLocalDpi xmlns:a14="http://schemas.microsoft.com/office/drawing/2010/main" val="0"/>
+              </a:ext>
+            </a:extLst>
+          </a:blip>
+          <a:srcRect/>
+          <a:stretch>
+            <a:fillRect/>
+          </a:stretch>
+        </p:blipFill>
+        <p:spPr bwMode="auto">
+          <a:xfrm>
+            <a:off x="8865722" y="5550519"/>
+            <a:ext cx="1857375" cy="352426"/>
+          </a:xfrm>
+          <a:prstGeom prst="rect">
+            <a:avLst/>
+          </a:prstGeom>
+          <a:noFill/>
+          <a:extLst>
+            <a:ext uri="{909E8E84-426E-40DD-AFC4-6F175D3DCCD1}">
+              <a14:hiddenFill xmlns:a14="http://schemas.microsoft.com/office/drawing/2010/main">
+                <a:solidFill>
+                  <a:srgbClr val="FFFFFF"/>
+                </a:solidFill>
+              </a14:hiddenFill>
+            </a:ext>
+          </a:extLst>
+        </p:spPr>
+      </p:pic>
     </p:spTree>
     <p:extLst>
       <p:ext uri="{BB962C8B-B14F-4D97-AF65-F5344CB8AC3E}">
@@ -4512,6 +4694,13 @@
   <p:clrMapOvr>
     <a:masterClrMapping/>
   </p:clrMapOvr>
+  <p:timing>
+    <p:tnLst>
+      <p:par>
+        <p:cTn id="1" dur="indefinite" restart="never" nodeType="tmRoot"/>
+      </p:par>
+    </p:tnLst>
+  </p:timing>
 </p:sld>
 </file>
 
@@ -4571,16 +4760,62 @@
           <a:lstStyle/>
           <a:p>
             <a:r>
-              <a:rPr lang="en-US" dirty="0" smtClean="0"/>
+              <a:rPr lang="en-US" dirty="0" smtClean="0">
+                <a:hlinkClick r:id="rId3"/>
+              </a:rPr>
+              <a:t>https://classroom.udacity.com/courses/ud810</a:t>
+            </a:r>
+            <a:endParaRPr lang="en-US" dirty="0" smtClean="0"/>
+          </a:p>
+          <a:p>
+            <a:r>
+              <a:rPr lang="en-US" dirty="0" smtClean="0">
+                <a:hlinkClick r:id="rId4"/>
+              </a:rPr>
+              <a:t>https://github.com/foamliu/computer_vision</a:t>
+            </a:r>
+          </a:p>
+          <a:p>
+            <a:r>
+              <a:rPr lang="en-US" dirty="0" smtClean="0">
+                <a:hlinkClick r:id="rId4"/>
+              </a:rPr>
+              <a:t>https://www.amazon.com/Learning-OpenCV-Computer-Vision-Python-ebook/dp/B011746NNK</a:t>
+            </a:r>
+            <a:endParaRPr lang="en-US" dirty="0" smtClean="0"/>
+          </a:p>
+          <a:p>
+            <a:r>
+              <a:rPr lang="en-US" dirty="0" smtClean="0">
+                <a:hlinkClick r:id="rId5"/>
+              </a:rPr>
+              <a:t>http://programmingcomputervision.com/downloads/ProgrammingComputerVision_CCdraft.pdf</a:t>
+            </a:r>
+            <a:endParaRPr lang="en-US" dirty="0" smtClean="0"/>
+          </a:p>
+          <a:p>
+            <a:r>
+              <a:rPr lang="en-US" dirty="0" smtClean="0">
+                <a:hlinkClick r:id="rId6"/>
+              </a:rPr>
               <a:t>https://en.wikipedia.org/wiki/Harris_Corner_Detector</a:t>
             </a:r>
-          </a:p>
-          <a:p>
-            <a:r>
-              <a:rPr lang="en-US" dirty="0" smtClean="0"/>
-              <a:t>http://www.cse.psu.edu/~rtc12/CSE486/lecture06.pdf</a:t>
-            </a:r>
-            <a:endParaRPr lang="en-US" dirty="0"/>
+            <a:endParaRPr lang="en-US" dirty="0" smtClean="0"/>
+          </a:p>
+          <a:p>
+            <a:r>
+              <a:rPr lang="en-US" dirty="0" smtClean="0">
+                <a:hlinkClick r:id="rId7"/>
+              </a:rPr>
+              <a:t>https://en.wikipedia.org/wiki/Scale-invariant_feature_transform</a:t>
+            </a:r>
+            <a:endParaRPr lang="en-US" dirty="0" smtClean="0"/>
+          </a:p>
+          <a:p>
+            <a:endParaRPr lang="en-US" dirty="0" smtClean="0"/>
+          </a:p>
+          <a:p>
+            <a:endParaRPr lang="en-US" dirty="0" smtClean="0"/>
           </a:p>
         </p:txBody>
       </p:sp>

--- a/CV.pptx
+++ b/CV.pptx
@@ -113,6 +113,11 @@
       </a:defRPr>
     </a:lvl9pPr>
   </p:defaultTextStyle>
+  <p:extLst>
+    <p:ext uri="{EFAFB233-063F-42B5-8137-9DF3F51BA10A}">
+      <p15:sldGuideLst xmlns:p15="http://schemas.microsoft.com/office/powerpoint/2012/main"/>
+    </p:ext>
+  </p:extLst>
 </p:presentation>
 </file>
 
@@ -198,7 +203,7 @@
           <a:p>
             <a:fld id="{0C1BFF04-4BD1-4EFB-BA48-96D42D49F41F}" type="datetimeFigureOut">
               <a:rPr lang="en-US" smtClean="0"/>
-              <a:t>11/23/2017</a:t>
+              <a:t>11/28/2017</a:t>
             </a:fld>
             <a:endParaRPr lang="en-US"/>
           </a:p>
@@ -1185,7 +1190,7 @@
           <a:p>
             <a:fld id="{7A566DC1-E4E6-438E-A76C-F2FAD875156B}" type="datetimeFigureOut">
               <a:rPr lang="en-US" smtClean="0"/>
-              <a:t>11/23/2017</a:t>
+              <a:t>11/28/2017</a:t>
             </a:fld>
             <a:endParaRPr lang="en-US"/>
           </a:p>
@@ -1355,7 +1360,7 @@
           <a:p>
             <a:fld id="{7A566DC1-E4E6-438E-A76C-F2FAD875156B}" type="datetimeFigureOut">
               <a:rPr lang="en-US" smtClean="0"/>
-              <a:t>11/23/2017</a:t>
+              <a:t>11/28/2017</a:t>
             </a:fld>
             <a:endParaRPr lang="en-US"/>
           </a:p>
@@ -1535,7 +1540,7 @@
           <a:p>
             <a:fld id="{7A566DC1-E4E6-438E-A76C-F2FAD875156B}" type="datetimeFigureOut">
               <a:rPr lang="en-US" smtClean="0"/>
-              <a:t>11/23/2017</a:t>
+              <a:t>11/28/2017</a:t>
             </a:fld>
             <a:endParaRPr lang="en-US"/>
           </a:p>
@@ -1705,7 +1710,7 @@
           <a:p>
             <a:fld id="{7A566DC1-E4E6-438E-A76C-F2FAD875156B}" type="datetimeFigureOut">
               <a:rPr lang="en-US" smtClean="0"/>
-              <a:t>11/23/2017</a:t>
+              <a:t>11/28/2017</a:t>
             </a:fld>
             <a:endParaRPr lang="en-US"/>
           </a:p>
@@ -1951,7 +1956,7 @@
           <a:p>
             <a:fld id="{7A566DC1-E4E6-438E-A76C-F2FAD875156B}" type="datetimeFigureOut">
               <a:rPr lang="en-US" smtClean="0"/>
-              <a:t>11/23/2017</a:t>
+              <a:t>11/28/2017</a:t>
             </a:fld>
             <a:endParaRPr lang="en-US"/>
           </a:p>
@@ -2183,7 +2188,7 @@
           <a:p>
             <a:fld id="{7A566DC1-E4E6-438E-A76C-F2FAD875156B}" type="datetimeFigureOut">
               <a:rPr lang="en-US" smtClean="0"/>
-              <a:t>11/23/2017</a:t>
+              <a:t>11/28/2017</a:t>
             </a:fld>
             <a:endParaRPr lang="en-US"/>
           </a:p>
@@ -2550,7 +2555,7 @@
           <a:p>
             <a:fld id="{7A566DC1-E4E6-438E-A76C-F2FAD875156B}" type="datetimeFigureOut">
               <a:rPr lang="en-US" smtClean="0"/>
-              <a:t>11/23/2017</a:t>
+              <a:t>11/28/2017</a:t>
             </a:fld>
             <a:endParaRPr lang="en-US"/>
           </a:p>
@@ -2668,7 +2673,7 @@
           <a:p>
             <a:fld id="{7A566DC1-E4E6-438E-A76C-F2FAD875156B}" type="datetimeFigureOut">
               <a:rPr lang="en-US" smtClean="0"/>
-              <a:t>11/23/2017</a:t>
+              <a:t>11/28/2017</a:t>
             </a:fld>
             <a:endParaRPr lang="en-US"/>
           </a:p>
@@ -2763,7 +2768,7 @@
           <a:p>
             <a:fld id="{7A566DC1-E4E6-438E-A76C-F2FAD875156B}" type="datetimeFigureOut">
               <a:rPr lang="en-US" smtClean="0"/>
-              <a:t>11/23/2017</a:t>
+              <a:t>11/28/2017</a:t>
             </a:fld>
             <a:endParaRPr lang="en-US"/>
           </a:p>
@@ -3040,7 +3045,7 @@
           <a:p>
             <a:fld id="{7A566DC1-E4E6-438E-A76C-F2FAD875156B}" type="datetimeFigureOut">
               <a:rPr lang="en-US" smtClean="0"/>
-              <a:t>11/23/2017</a:t>
+              <a:t>11/28/2017</a:t>
             </a:fld>
             <a:endParaRPr lang="en-US"/>
           </a:p>
@@ -3293,7 +3298,7 @@
           <a:p>
             <a:fld id="{7A566DC1-E4E6-438E-A76C-F2FAD875156B}" type="datetimeFigureOut">
               <a:rPr lang="en-US" smtClean="0"/>
-              <a:t>11/23/2017</a:t>
+              <a:t>11/28/2017</a:t>
             </a:fld>
             <a:endParaRPr lang="en-US"/>
           </a:p>
@@ -3506,7 +3511,7 @@
           <a:p>
             <a:fld id="{7A566DC1-E4E6-438E-A76C-F2FAD875156B}" type="datetimeFigureOut">
               <a:rPr lang="en-US" smtClean="0"/>
-              <a:t>11/23/2017</a:t>
+              <a:t>11/28/2017</a:t>
             </a:fld>
             <a:endParaRPr lang="en-US"/>
           </a:p>
@@ -4374,13 +4379,21 @@
           <a:bodyPr/>
           <a:lstStyle/>
           <a:p>
-            <a:endParaRPr lang="en-US"/>
+            <a:r>
+              <a:rPr lang="en-US" altLang="zh-CN" dirty="0" err="1" smtClean="0"/>
+              <a:t>DoFs</a:t>
+            </a:r>
+            <a:r>
+              <a:rPr lang="en-US" altLang="zh-CN" dirty="0" smtClean="0"/>
+              <a:t> = 5+0+3+3 = 11</a:t>
+            </a:r>
+            <a:endParaRPr lang="en-US" dirty="0"/>
           </a:p>
         </p:txBody>
       </p:sp>
       <p:pic>
         <p:nvPicPr>
-          <p:cNvPr id="4" name="Picture 3"/>
+          <p:cNvPr id="5" name="Picture 4"/>
           <p:cNvPicPr>
             <a:picLocks noChangeAspect="1"/>
           </p:cNvPicPr>
@@ -4394,8 +4407,8 @@
         </p:blipFill>
         <p:spPr>
           <a:xfrm>
-            <a:off x="2633662" y="2343150"/>
-            <a:ext cx="6924675" cy="2171700"/>
+            <a:off x="1599618" y="2681248"/>
+            <a:ext cx="8658225" cy="2247900"/>
           </a:xfrm>
           <a:prstGeom prst="rect">
             <a:avLst/>
